--- a/images/record/Kubernetes_Install_kubeadm_IPv6_Ubuntu_18.04/Kubernetes_Install.pptx
+++ b/images/record/Kubernetes_Install_kubeadm_IPv6_Ubuntu_18.04/Kubernetes_Install.pptx
@@ -3959,7 +3959,7 @@
             <a:pPr algn="ctr"/>
             <a:r>
               <a:rPr lang="en-US" altLang="ko-KR" sz="1200"/>
-              <a:t>fdaa::61/64</a:t>
+              <a:t>fdaa::/64</a:t>
             </a:r>
             <a:endParaRPr lang="en-US" altLang="ko-KR" sz="1200" dirty="0"/>
           </a:p>
